--- a/project/Защита проекта_синяя.pptx
+++ b/project/Защита проекта_синяя.pptx
@@ -10921,7 +10921,7 @@
         <p:spPr>
           <a:xfrm>
             <a:off x="-18000" y="-13320"/>
-            <a:ext cx="9178560" cy="6883560"/>
+            <a:ext cx="9178200" cy="6883200"/>
           </a:xfrm>
           <a:prstGeom prst="rect">
             <a:avLst/>
@@ -10960,199 +10960,7 @@
               <a:rPr b="0" lang="en-US" sz="4400" spc="-1" strike="noStrike">
                 <a:latin typeface="Arial"/>
               </a:rPr>
-              <a:t>C</a:t>
-            </a:r>
-            <a:r>
-              <a:rPr b="0" lang="en-US" sz="4400" spc="-1" strike="noStrike">
-                <a:latin typeface="Arial"/>
-              </a:rPr>
-              <a:t>l</a:t>
-            </a:r>
-            <a:r>
-              <a:rPr b="0" lang="en-US" sz="4400" spc="-1" strike="noStrike">
-                <a:latin typeface="Arial"/>
-              </a:rPr>
-              <a:t>i</a:t>
-            </a:r>
-            <a:r>
-              <a:rPr b="0" lang="en-US" sz="4400" spc="-1" strike="noStrike">
-                <a:latin typeface="Arial"/>
-              </a:rPr>
-              <a:t>c</a:t>
-            </a:r>
-            <a:r>
-              <a:rPr b="0" lang="en-US" sz="4400" spc="-1" strike="noStrike">
-                <a:latin typeface="Arial"/>
-              </a:rPr>
-              <a:t>k</a:t>
-            </a:r>
-            <a:r>
-              <a:rPr b="0" lang="en-US" sz="4400" spc="-1" strike="noStrike">
-                <a:latin typeface="Arial"/>
-              </a:rPr>
-              <a:t> </a:t>
-            </a:r>
-            <a:r>
-              <a:rPr b="0" lang="en-US" sz="4400" spc="-1" strike="noStrike">
-                <a:latin typeface="Arial"/>
-              </a:rPr>
-              <a:t>t</a:t>
-            </a:r>
-            <a:r>
-              <a:rPr b="0" lang="en-US" sz="4400" spc="-1" strike="noStrike">
-                <a:latin typeface="Arial"/>
-              </a:rPr>
-              <a:t>o</a:t>
-            </a:r>
-            <a:r>
-              <a:rPr b="0" lang="en-US" sz="4400" spc="-1" strike="noStrike">
-                <a:latin typeface="Arial"/>
-              </a:rPr>
-              <a:t> </a:t>
-            </a:r>
-            <a:r>
-              <a:rPr b="0" lang="en-US" sz="4400" spc="-1" strike="noStrike">
-                <a:latin typeface="Arial"/>
-              </a:rPr>
-              <a:t>e</a:t>
-            </a:r>
-            <a:r>
-              <a:rPr b="0" lang="en-US" sz="4400" spc="-1" strike="noStrike">
-                <a:latin typeface="Arial"/>
-              </a:rPr>
-              <a:t>d</a:t>
-            </a:r>
-            <a:r>
-              <a:rPr b="0" lang="en-US" sz="4400" spc="-1" strike="noStrike">
-                <a:latin typeface="Arial"/>
-              </a:rPr>
-              <a:t>i</a:t>
-            </a:r>
-            <a:r>
-              <a:rPr b="0" lang="en-US" sz="4400" spc="-1" strike="noStrike">
-                <a:latin typeface="Arial"/>
-              </a:rPr>
-              <a:t>t </a:t>
-            </a:r>
-            <a:r>
-              <a:rPr b="0" lang="en-US" sz="4400" spc="-1" strike="noStrike">
-                <a:latin typeface="Arial"/>
-              </a:rPr>
-              <a:t>t</a:t>
-            </a:r>
-            <a:r>
-              <a:rPr b="0" lang="en-US" sz="4400" spc="-1" strike="noStrike">
-                <a:latin typeface="Arial"/>
-              </a:rPr>
-              <a:t>h</a:t>
-            </a:r>
-            <a:r>
-              <a:rPr b="0" lang="en-US" sz="4400" spc="-1" strike="noStrike">
-                <a:latin typeface="Arial"/>
-              </a:rPr>
-              <a:t>e</a:t>
-            </a:r>
-            <a:r>
-              <a:rPr b="0" lang="en-US" sz="4400" spc="-1" strike="noStrike">
-                <a:latin typeface="Arial"/>
-              </a:rPr>
-              <a:t> </a:t>
-            </a:r>
-            <a:r>
-              <a:rPr b="0" lang="en-US" sz="4400" spc="-1" strike="noStrike">
-                <a:latin typeface="Arial"/>
-              </a:rPr>
-              <a:t>t</a:t>
-            </a:r>
-            <a:r>
-              <a:rPr b="0" lang="en-US" sz="4400" spc="-1" strike="noStrike">
-                <a:latin typeface="Arial"/>
-              </a:rPr>
-              <a:t>i</a:t>
-            </a:r>
-            <a:r>
-              <a:rPr b="0" lang="en-US" sz="4400" spc="-1" strike="noStrike">
-                <a:latin typeface="Arial"/>
-              </a:rPr>
-              <a:t>t</a:t>
-            </a:r>
-            <a:r>
-              <a:rPr b="0" lang="en-US" sz="4400" spc="-1" strike="noStrike">
-                <a:latin typeface="Arial"/>
-              </a:rPr>
-              <a:t>l</a:t>
-            </a:r>
-            <a:r>
-              <a:rPr b="0" lang="en-US" sz="4400" spc="-1" strike="noStrike">
-                <a:latin typeface="Arial"/>
-              </a:rPr>
-              <a:t>e</a:t>
-            </a:r>
-            <a:r>
-              <a:rPr b="0" lang="en-US" sz="4400" spc="-1" strike="noStrike">
-                <a:latin typeface="Arial"/>
-              </a:rPr>
-              <a:t> </a:t>
-            </a:r>
-            <a:r>
-              <a:rPr b="0" lang="en-US" sz="4400" spc="-1" strike="noStrike">
-                <a:latin typeface="Arial"/>
-              </a:rPr>
-              <a:t>t</a:t>
-            </a:r>
-            <a:r>
-              <a:rPr b="0" lang="en-US" sz="4400" spc="-1" strike="noStrike">
-                <a:latin typeface="Arial"/>
-              </a:rPr>
-              <a:t>e</a:t>
-            </a:r>
-            <a:r>
-              <a:rPr b="0" lang="en-US" sz="4400" spc="-1" strike="noStrike">
-                <a:latin typeface="Arial"/>
-              </a:rPr>
-              <a:t>x</a:t>
-            </a:r>
-            <a:r>
-              <a:rPr b="0" lang="en-US" sz="4400" spc="-1" strike="noStrike">
-                <a:latin typeface="Arial"/>
-              </a:rPr>
-              <a:t>t </a:t>
-            </a:r>
-            <a:r>
-              <a:rPr b="0" lang="en-US" sz="4400" spc="-1" strike="noStrike">
-                <a:latin typeface="Arial"/>
-              </a:rPr>
-              <a:t>f</a:t>
-            </a:r>
-            <a:r>
-              <a:rPr b="0" lang="en-US" sz="4400" spc="-1" strike="noStrike">
-                <a:latin typeface="Arial"/>
-              </a:rPr>
-              <a:t>o</a:t>
-            </a:r>
-            <a:r>
-              <a:rPr b="0" lang="en-US" sz="4400" spc="-1" strike="noStrike">
-                <a:latin typeface="Arial"/>
-              </a:rPr>
-              <a:t>r</a:t>
-            </a:r>
-            <a:r>
-              <a:rPr b="0" lang="en-US" sz="4400" spc="-1" strike="noStrike">
-                <a:latin typeface="Arial"/>
-              </a:rPr>
-              <a:t>m</a:t>
-            </a:r>
-            <a:r>
-              <a:rPr b="0" lang="en-US" sz="4400" spc="-1" strike="noStrike">
-                <a:latin typeface="Arial"/>
-              </a:rPr>
-              <a:t>a</a:t>
-            </a:r>
-            <a:r>
-              <a:rPr b="0" lang="en-US" sz="4400" spc="-1" strike="noStrike">
-                <a:latin typeface="Arial"/>
-              </a:rPr>
-              <a:t>t</a:t>
+              <a:t>Click to edit the title text format</a:t>
             </a:r>
             <a:endParaRPr b="0" lang="en-US" sz="4400" spc="-1" strike="noStrike">
               <a:latin typeface="Arial"/>
@@ -11413,199 +11221,7 @@
               <a:rPr b="0" lang="en-US" sz="4400" spc="-1" strike="noStrike">
                 <a:latin typeface="Arial"/>
               </a:rPr>
-              <a:t>C</a:t>
-            </a:r>
-            <a:r>
-              <a:rPr b="0" lang="en-US" sz="4400" spc="-1" strike="noStrike">
-                <a:latin typeface="Arial"/>
-              </a:rPr>
-              <a:t>l</a:t>
-            </a:r>
-            <a:r>
-              <a:rPr b="0" lang="en-US" sz="4400" spc="-1" strike="noStrike">
-                <a:latin typeface="Arial"/>
-              </a:rPr>
-              <a:t>i</a:t>
-            </a:r>
-            <a:r>
-              <a:rPr b="0" lang="en-US" sz="4400" spc="-1" strike="noStrike">
-                <a:latin typeface="Arial"/>
-              </a:rPr>
-              <a:t>c</a:t>
-            </a:r>
-            <a:r>
-              <a:rPr b="0" lang="en-US" sz="4400" spc="-1" strike="noStrike">
-                <a:latin typeface="Arial"/>
-              </a:rPr>
-              <a:t>k</a:t>
-            </a:r>
-            <a:r>
-              <a:rPr b="0" lang="en-US" sz="4400" spc="-1" strike="noStrike">
-                <a:latin typeface="Arial"/>
-              </a:rPr>
-              <a:t> </a:t>
-            </a:r>
-            <a:r>
-              <a:rPr b="0" lang="en-US" sz="4400" spc="-1" strike="noStrike">
-                <a:latin typeface="Arial"/>
-              </a:rPr>
-              <a:t>t</a:t>
-            </a:r>
-            <a:r>
-              <a:rPr b="0" lang="en-US" sz="4400" spc="-1" strike="noStrike">
-                <a:latin typeface="Arial"/>
-              </a:rPr>
-              <a:t>o</a:t>
-            </a:r>
-            <a:r>
-              <a:rPr b="0" lang="en-US" sz="4400" spc="-1" strike="noStrike">
-                <a:latin typeface="Arial"/>
-              </a:rPr>
-              <a:t> </a:t>
-            </a:r>
-            <a:r>
-              <a:rPr b="0" lang="en-US" sz="4400" spc="-1" strike="noStrike">
-                <a:latin typeface="Arial"/>
-              </a:rPr>
-              <a:t>e</a:t>
-            </a:r>
-            <a:r>
-              <a:rPr b="0" lang="en-US" sz="4400" spc="-1" strike="noStrike">
-                <a:latin typeface="Arial"/>
-              </a:rPr>
-              <a:t>d</a:t>
-            </a:r>
-            <a:r>
-              <a:rPr b="0" lang="en-US" sz="4400" spc="-1" strike="noStrike">
-                <a:latin typeface="Arial"/>
-              </a:rPr>
-              <a:t>i</a:t>
-            </a:r>
-            <a:r>
-              <a:rPr b="0" lang="en-US" sz="4400" spc="-1" strike="noStrike">
-                <a:latin typeface="Arial"/>
-              </a:rPr>
-              <a:t>t </a:t>
-            </a:r>
-            <a:r>
-              <a:rPr b="0" lang="en-US" sz="4400" spc="-1" strike="noStrike">
-                <a:latin typeface="Arial"/>
-              </a:rPr>
-              <a:t>t</a:t>
-            </a:r>
-            <a:r>
-              <a:rPr b="0" lang="en-US" sz="4400" spc="-1" strike="noStrike">
-                <a:latin typeface="Arial"/>
-              </a:rPr>
-              <a:t>h</a:t>
-            </a:r>
-            <a:r>
-              <a:rPr b="0" lang="en-US" sz="4400" spc="-1" strike="noStrike">
-                <a:latin typeface="Arial"/>
-              </a:rPr>
-              <a:t>e</a:t>
-            </a:r>
-            <a:r>
-              <a:rPr b="0" lang="en-US" sz="4400" spc="-1" strike="noStrike">
-                <a:latin typeface="Arial"/>
-              </a:rPr>
-              <a:t> </a:t>
-            </a:r>
-            <a:r>
-              <a:rPr b="0" lang="en-US" sz="4400" spc="-1" strike="noStrike">
-                <a:latin typeface="Arial"/>
-              </a:rPr>
-              <a:t>t</a:t>
-            </a:r>
-            <a:r>
-              <a:rPr b="0" lang="en-US" sz="4400" spc="-1" strike="noStrike">
-                <a:latin typeface="Arial"/>
-              </a:rPr>
-              <a:t>i</a:t>
-            </a:r>
-            <a:r>
-              <a:rPr b="0" lang="en-US" sz="4400" spc="-1" strike="noStrike">
-                <a:latin typeface="Arial"/>
-              </a:rPr>
-              <a:t>t</a:t>
-            </a:r>
-            <a:r>
-              <a:rPr b="0" lang="en-US" sz="4400" spc="-1" strike="noStrike">
-                <a:latin typeface="Arial"/>
-              </a:rPr>
-              <a:t>l</a:t>
-            </a:r>
-            <a:r>
-              <a:rPr b="0" lang="en-US" sz="4400" spc="-1" strike="noStrike">
-                <a:latin typeface="Arial"/>
-              </a:rPr>
-              <a:t>e</a:t>
-            </a:r>
-            <a:r>
-              <a:rPr b="0" lang="en-US" sz="4400" spc="-1" strike="noStrike">
-                <a:latin typeface="Arial"/>
-              </a:rPr>
-              <a:t> </a:t>
-            </a:r>
-            <a:r>
-              <a:rPr b="0" lang="en-US" sz="4400" spc="-1" strike="noStrike">
-                <a:latin typeface="Arial"/>
-              </a:rPr>
-              <a:t>t</a:t>
-            </a:r>
-            <a:r>
-              <a:rPr b="0" lang="en-US" sz="4400" spc="-1" strike="noStrike">
-                <a:latin typeface="Arial"/>
-              </a:rPr>
-              <a:t>e</a:t>
-            </a:r>
-            <a:r>
-              <a:rPr b="0" lang="en-US" sz="4400" spc="-1" strike="noStrike">
-                <a:latin typeface="Arial"/>
-              </a:rPr>
-              <a:t>x</a:t>
-            </a:r>
-            <a:r>
-              <a:rPr b="0" lang="en-US" sz="4400" spc="-1" strike="noStrike">
-                <a:latin typeface="Arial"/>
-              </a:rPr>
-              <a:t>t </a:t>
-            </a:r>
-            <a:r>
-              <a:rPr b="0" lang="en-US" sz="4400" spc="-1" strike="noStrike">
-                <a:latin typeface="Arial"/>
-              </a:rPr>
-              <a:t>f</a:t>
-            </a:r>
-            <a:r>
-              <a:rPr b="0" lang="en-US" sz="4400" spc="-1" strike="noStrike">
-                <a:latin typeface="Arial"/>
-              </a:rPr>
-              <a:t>o</a:t>
-            </a:r>
-            <a:r>
-              <a:rPr b="0" lang="en-US" sz="4400" spc="-1" strike="noStrike">
-                <a:latin typeface="Arial"/>
-              </a:rPr>
-              <a:t>r</a:t>
-            </a:r>
-            <a:r>
-              <a:rPr b="0" lang="en-US" sz="4400" spc="-1" strike="noStrike">
-                <a:latin typeface="Arial"/>
-              </a:rPr>
-              <a:t>m</a:t>
-            </a:r>
-            <a:r>
-              <a:rPr b="0" lang="en-US" sz="4400" spc="-1" strike="noStrike">
-                <a:latin typeface="Arial"/>
-              </a:rPr>
-              <a:t>a</a:t>
-            </a:r>
-            <a:r>
-              <a:rPr b="0" lang="en-US" sz="4400" spc="-1" strike="noStrike">
-                <a:latin typeface="Arial"/>
-              </a:rPr>
-              <a:t>t</a:t>
+              <a:t>Click to edit the title text format</a:t>
             </a:r>
             <a:endParaRPr b="0" lang="en-US" sz="4400" spc="-1" strike="noStrike">
               <a:latin typeface="Arial"/>
@@ -11865,109 +11481,7 @@
               <a:rPr b="0" lang="en-US" sz="1800" spc="-1" strike="noStrike">
                 <a:latin typeface="Arial"/>
               </a:rPr>
-              <a:t>C</a:t>
-            </a:r>
-            <a:r>
-              <a:rPr b="0" lang="en-US" sz="1800" spc="-1" strike="noStrike">
-                <a:latin typeface="Arial"/>
-              </a:rPr>
-              <a:t>li</a:t>
-            </a:r>
-            <a:r>
-              <a:rPr b="0" lang="en-US" sz="1800" spc="-1" strike="noStrike">
-                <a:latin typeface="Arial"/>
-              </a:rPr>
-              <a:t>c</a:t>
-            </a:r>
-            <a:r>
-              <a:rPr b="0" lang="en-US" sz="1800" spc="-1" strike="noStrike">
-                <a:latin typeface="Arial"/>
-              </a:rPr>
-              <a:t>k </a:t>
-            </a:r>
-            <a:r>
-              <a:rPr b="0" lang="en-US" sz="1800" spc="-1" strike="noStrike">
-                <a:latin typeface="Arial"/>
-              </a:rPr>
-              <a:t>to </a:t>
-            </a:r>
-            <a:r>
-              <a:rPr b="0" lang="en-US" sz="1800" spc="-1" strike="noStrike">
-                <a:latin typeface="Arial"/>
-              </a:rPr>
-              <a:t>e</a:t>
-            </a:r>
-            <a:r>
-              <a:rPr b="0" lang="en-US" sz="1800" spc="-1" strike="noStrike">
-                <a:latin typeface="Arial"/>
-              </a:rPr>
-              <a:t>di</a:t>
-            </a:r>
-            <a:r>
-              <a:rPr b="0" lang="en-US" sz="1800" spc="-1" strike="noStrike">
-                <a:latin typeface="Arial"/>
-              </a:rPr>
-              <a:t>t </a:t>
-            </a:r>
-            <a:r>
-              <a:rPr b="0" lang="en-US" sz="1800" spc="-1" strike="noStrike">
-                <a:latin typeface="Arial"/>
-              </a:rPr>
-              <a:t>th</a:t>
-            </a:r>
-            <a:r>
-              <a:rPr b="0" lang="en-US" sz="1800" spc="-1" strike="noStrike">
-                <a:latin typeface="Arial"/>
-              </a:rPr>
-              <a:t>e </a:t>
-            </a:r>
-            <a:r>
-              <a:rPr b="0" lang="en-US" sz="1800" spc="-1" strike="noStrike">
-                <a:latin typeface="Arial"/>
-              </a:rPr>
-              <a:t>tit</a:t>
-            </a:r>
-            <a:r>
-              <a:rPr b="0" lang="en-US" sz="1800" spc="-1" strike="noStrike">
-                <a:latin typeface="Arial"/>
-              </a:rPr>
-              <a:t>le </a:t>
-            </a:r>
-            <a:r>
-              <a:rPr b="0" lang="en-US" sz="1800" spc="-1" strike="noStrike">
-                <a:latin typeface="Arial"/>
-              </a:rPr>
-              <a:t>te</a:t>
-            </a:r>
-            <a:r>
-              <a:rPr b="0" lang="en-US" sz="1800" spc="-1" strike="noStrike">
-                <a:latin typeface="Arial"/>
-              </a:rPr>
-              <a:t>xt </a:t>
-            </a:r>
-            <a:r>
-              <a:rPr b="0" lang="en-US" sz="1800" spc="-1" strike="noStrike">
-                <a:latin typeface="Arial"/>
-              </a:rPr>
-              <a:t>fo</a:t>
-            </a:r>
-            <a:r>
-              <a:rPr b="0" lang="en-US" sz="1800" spc="-1" strike="noStrike">
-                <a:latin typeface="Arial"/>
-              </a:rPr>
-              <a:t>r</a:t>
-            </a:r>
-            <a:r>
-              <a:rPr b="0" lang="en-US" sz="1800" spc="-1" strike="noStrike">
-                <a:latin typeface="Arial"/>
-              </a:rPr>
-              <a:t>m</a:t>
-            </a:r>
-            <a:r>
-              <a:rPr b="0" lang="en-US" sz="1800" spc="-1" strike="noStrike">
-                <a:latin typeface="Arial"/>
-              </a:rPr>
-              <a:t>at</a:t>
+              <a:t>Click to edit the title text format</a:t>
             </a:r>
             <a:endParaRPr b="0" lang="en-US" sz="1800" spc="-1" strike="noStrike">
               <a:latin typeface="Arial"/>
@@ -12406,109 +11920,7 @@
               <a:rPr b="0" lang="en-US" sz="1800" spc="-1" strike="noStrike">
                 <a:latin typeface="Arial"/>
               </a:rPr>
-              <a:t>C</a:t>
-            </a:r>
-            <a:r>
-              <a:rPr b="0" lang="en-US" sz="1800" spc="-1" strike="noStrike">
-                <a:latin typeface="Arial"/>
-              </a:rPr>
-              <a:t>li</a:t>
-            </a:r>
-            <a:r>
-              <a:rPr b="0" lang="en-US" sz="1800" spc="-1" strike="noStrike">
-                <a:latin typeface="Arial"/>
-              </a:rPr>
-              <a:t>c</a:t>
-            </a:r>
-            <a:r>
-              <a:rPr b="0" lang="en-US" sz="1800" spc="-1" strike="noStrike">
-                <a:latin typeface="Arial"/>
-              </a:rPr>
-              <a:t>k </a:t>
-            </a:r>
-            <a:r>
-              <a:rPr b="0" lang="en-US" sz="1800" spc="-1" strike="noStrike">
-                <a:latin typeface="Arial"/>
-              </a:rPr>
-              <a:t>to </a:t>
-            </a:r>
-            <a:r>
-              <a:rPr b="0" lang="en-US" sz="1800" spc="-1" strike="noStrike">
-                <a:latin typeface="Arial"/>
-              </a:rPr>
-              <a:t>e</a:t>
-            </a:r>
-            <a:r>
-              <a:rPr b="0" lang="en-US" sz="1800" spc="-1" strike="noStrike">
-                <a:latin typeface="Arial"/>
-              </a:rPr>
-              <a:t>di</a:t>
-            </a:r>
-            <a:r>
-              <a:rPr b="0" lang="en-US" sz="1800" spc="-1" strike="noStrike">
-                <a:latin typeface="Arial"/>
-              </a:rPr>
-              <a:t>t </a:t>
-            </a:r>
-            <a:r>
-              <a:rPr b="0" lang="en-US" sz="1800" spc="-1" strike="noStrike">
-                <a:latin typeface="Arial"/>
-              </a:rPr>
-              <a:t>th</a:t>
-            </a:r>
-            <a:r>
-              <a:rPr b="0" lang="en-US" sz="1800" spc="-1" strike="noStrike">
-                <a:latin typeface="Arial"/>
-              </a:rPr>
-              <a:t>e </a:t>
-            </a:r>
-            <a:r>
-              <a:rPr b="0" lang="en-US" sz="1800" spc="-1" strike="noStrike">
-                <a:latin typeface="Arial"/>
-              </a:rPr>
-              <a:t>tit</a:t>
-            </a:r>
-            <a:r>
-              <a:rPr b="0" lang="en-US" sz="1800" spc="-1" strike="noStrike">
-                <a:latin typeface="Arial"/>
-              </a:rPr>
-              <a:t>le </a:t>
-            </a:r>
-            <a:r>
-              <a:rPr b="0" lang="en-US" sz="1800" spc="-1" strike="noStrike">
-                <a:latin typeface="Arial"/>
-              </a:rPr>
-              <a:t>te</a:t>
-            </a:r>
-            <a:r>
-              <a:rPr b="0" lang="en-US" sz="1800" spc="-1" strike="noStrike">
-                <a:latin typeface="Arial"/>
-              </a:rPr>
-              <a:t>xt </a:t>
-            </a:r>
-            <a:r>
-              <a:rPr b="0" lang="en-US" sz="1800" spc="-1" strike="noStrike">
-                <a:latin typeface="Arial"/>
-              </a:rPr>
-              <a:t>fo</a:t>
-            </a:r>
-            <a:r>
-              <a:rPr b="0" lang="en-US" sz="1800" spc="-1" strike="noStrike">
-                <a:latin typeface="Arial"/>
-              </a:rPr>
-              <a:t>r</a:t>
-            </a:r>
-            <a:r>
-              <a:rPr b="0" lang="en-US" sz="1800" spc="-1" strike="noStrike">
-                <a:latin typeface="Arial"/>
-              </a:rPr>
-              <a:t>m</a:t>
-            </a:r>
-            <a:r>
-              <a:rPr b="0" lang="en-US" sz="1800" spc="-1" strike="noStrike">
-                <a:latin typeface="Arial"/>
-              </a:rPr>
-              <a:t>at</a:t>
+              <a:t>Click to edit the title text format</a:t>
             </a:r>
             <a:endParaRPr b="0" lang="en-US" sz="1800" spc="-1" strike="noStrike">
               <a:latin typeface="Arial"/>
@@ -12769,199 +12181,7 @@
               <a:rPr b="0" lang="en-US" sz="4400" spc="-1" strike="noStrike">
                 <a:latin typeface="Arial"/>
               </a:rPr>
-              <a:t>C</a:t>
-            </a:r>
-            <a:r>
-              <a:rPr b="0" lang="en-US" sz="4400" spc="-1" strike="noStrike">
-                <a:latin typeface="Arial"/>
-              </a:rPr>
-              <a:t>l</a:t>
-            </a:r>
-            <a:r>
-              <a:rPr b="0" lang="en-US" sz="4400" spc="-1" strike="noStrike">
-                <a:latin typeface="Arial"/>
-              </a:rPr>
-              <a:t>i</a:t>
-            </a:r>
-            <a:r>
-              <a:rPr b="0" lang="en-US" sz="4400" spc="-1" strike="noStrike">
-                <a:latin typeface="Arial"/>
-              </a:rPr>
-              <a:t>c</a:t>
-            </a:r>
-            <a:r>
-              <a:rPr b="0" lang="en-US" sz="4400" spc="-1" strike="noStrike">
-                <a:latin typeface="Arial"/>
-              </a:rPr>
-              <a:t>k</a:t>
-            </a:r>
-            <a:r>
-              <a:rPr b="0" lang="en-US" sz="4400" spc="-1" strike="noStrike">
-                <a:latin typeface="Arial"/>
-              </a:rPr>
-              <a:t> </a:t>
-            </a:r>
-            <a:r>
-              <a:rPr b="0" lang="en-US" sz="4400" spc="-1" strike="noStrike">
-                <a:latin typeface="Arial"/>
-              </a:rPr>
-              <a:t>t</a:t>
-            </a:r>
-            <a:r>
-              <a:rPr b="0" lang="en-US" sz="4400" spc="-1" strike="noStrike">
-                <a:latin typeface="Arial"/>
-              </a:rPr>
-              <a:t>o</a:t>
-            </a:r>
-            <a:r>
-              <a:rPr b="0" lang="en-US" sz="4400" spc="-1" strike="noStrike">
-                <a:latin typeface="Arial"/>
-              </a:rPr>
-              <a:t> </a:t>
-            </a:r>
-            <a:r>
-              <a:rPr b="0" lang="en-US" sz="4400" spc="-1" strike="noStrike">
-                <a:latin typeface="Arial"/>
-              </a:rPr>
-              <a:t>e</a:t>
-            </a:r>
-            <a:r>
-              <a:rPr b="0" lang="en-US" sz="4400" spc="-1" strike="noStrike">
-                <a:latin typeface="Arial"/>
-              </a:rPr>
-              <a:t>d</a:t>
-            </a:r>
-            <a:r>
-              <a:rPr b="0" lang="en-US" sz="4400" spc="-1" strike="noStrike">
-                <a:latin typeface="Arial"/>
-              </a:rPr>
-              <a:t>i</a:t>
-            </a:r>
-            <a:r>
-              <a:rPr b="0" lang="en-US" sz="4400" spc="-1" strike="noStrike">
-                <a:latin typeface="Arial"/>
-              </a:rPr>
-              <a:t>t </a:t>
-            </a:r>
-            <a:r>
-              <a:rPr b="0" lang="en-US" sz="4400" spc="-1" strike="noStrike">
-                <a:latin typeface="Arial"/>
-              </a:rPr>
-              <a:t>t</a:t>
-            </a:r>
-            <a:r>
-              <a:rPr b="0" lang="en-US" sz="4400" spc="-1" strike="noStrike">
-                <a:latin typeface="Arial"/>
-              </a:rPr>
-              <a:t>h</a:t>
-            </a:r>
-            <a:r>
-              <a:rPr b="0" lang="en-US" sz="4400" spc="-1" strike="noStrike">
-                <a:latin typeface="Arial"/>
-              </a:rPr>
-              <a:t>e</a:t>
-            </a:r>
-            <a:r>
-              <a:rPr b="0" lang="en-US" sz="4400" spc="-1" strike="noStrike">
-                <a:latin typeface="Arial"/>
-              </a:rPr>
-              <a:t> </a:t>
-            </a:r>
-            <a:r>
-              <a:rPr b="0" lang="en-US" sz="4400" spc="-1" strike="noStrike">
-                <a:latin typeface="Arial"/>
-              </a:rPr>
-              <a:t>t</a:t>
-            </a:r>
-            <a:r>
-              <a:rPr b="0" lang="en-US" sz="4400" spc="-1" strike="noStrike">
-                <a:latin typeface="Arial"/>
-              </a:rPr>
-              <a:t>i</a:t>
-            </a:r>
-            <a:r>
-              <a:rPr b="0" lang="en-US" sz="4400" spc="-1" strike="noStrike">
-                <a:latin typeface="Arial"/>
-              </a:rPr>
-              <a:t>t</a:t>
-            </a:r>
-            <a:r>
-              <a:rPr b="0" lang="en-US" sz="4400" spc="-1" strike="noStrike">
-                <a:latin typeface="Arial"/>
-              </a:rPr>
-              <a:t>l</a:t>
-            </a:r>
-            <a:r>
-              <a:rPr b="0" lang="en-US" sz="4400" spc="-1" strike="noStrike">
-                <a:latin typeface="Arial"/>
-              </a:rPr>
-              <a:t>e</a:t>
-            </a:r>
-            <a:r>
-              <a:rPr b="0" lang="en-US" sz="4400" spc="-1" strike="noStrike">
-                <a:latin typeface="Arial"/>
-              </a:rPr>
-              <a:t> </a:t>
-            </a:r>
-            <a:r>
-              <a:rPr b="0" lang="en-US" sz="4400" spc="-1" strike="noStrike">
-                <a:latin typeface="Arial"/>
-              </a:rPr>
-              <a:t>t</a:t>
-            </a:r>
-            <a:r>
-              <a:rPr b="0" lang="en-US" sz="4400" spc="-1" strike="noStrike">
-                <a:latin typeface="Arial"/>
-              </a:rPr>
-              <a:t>e</a:t>
-            </a:r>
-            <a:r>
-              <a:rPr b="0" lang="en-US" sz="4400" spc="-1" strike="noStrike">
-                <a:latin typeface="Arial"/>
-              </a:rPr>
-              <a:t>x</a:t>
-            </a:r>
-            <a:r>
-              <a:rPr b="0" lang="en-US" sz="4400" spc="-1" strike="noStrike">
-                <a:latin typeface="Arial"/>
-              </a:rPr>
-              <a:t>t </a:t>
-            </a:r>
-            <a:r>
-              <a:rPr b="0" lang="en-US" sz="4400" spc="-1" strike="noStrike">
-                <a:latin typeface="Arial"/>
-              </a:rPr>
-              <a:t>f</a:t>
-            </a:r>
-            <a:r>
-              <a:rPr b="0" lang="en-US" sz="4400" spc="-1" strike="noStrike">
-                <a:latin typeface="Arial"/>
-              </a:rPr>
-              <a:t>o</a:t>
-            </a:r>
-            <a:r>
-              <a:rPr b="0" lang="en-US" sz="4400" spc="-1" strike="noStrike">
-                <a:latin typeface="Arial"/>
-              </a:rPr>
-              <a:t>r</a:t>
-            </a:r>
-            <a:r>
-              <a:rPr b="0" lang="en-US" sz="4400" spc="-1" strike="noStrike">
-                <a:latin typeface="Arial"/>
-              </a:rPr>
-              <a:t>m</a:t>
-            </a:r>
-            <a:r>
-              <a:rPr b="0" lang="en-US" sz="4400" spc="-1" strike="noStrike">
-                <a:latin typeface="Arial"/>
-              </a:rPr>
-              <a:t>a</a:t>
-            </a:r>
-            <a:r>
-              <a:rPr b="0" lang="en-US" sz="4400" spc="-1" strike="noStrike">
-                <a:latin typeface="Arial"/>
-              </a:rPr>
-              <a:t>t</a:t>
+              <a:t>Click to edit the title text format</a:t>
             </a:r>
             <a:endParaRPr b="0" lang="en-US" sz="4400" spc="-1" strike="noStrike">
               <a:latin typeface="Arial"/>
@@ -13222,199 +12442,7 @@
               <a:rPr b="0" lang="en-US" sz="4400" spc="-1" strike="noStrike">
                 <a:latin typeface="Arial"/>
               </a:rPr>
-              <a:t>C</a:t>
-            </a:r>
-            <a:r>
-              <a:rPr b="0" lang="en-US" sz="4400" spc="-1" strike="noStrike">
-                <a:latin typeface="Arial"/>
-              </a:rPr>
-              <a:t>l</a:t>
-            </a:r>
-            <a:r>
-              <a:rPr b="0" lang="en-US" sz="4400" spc="-1" strike="noStrike">
-                <a:latin typeface="Arial"/>
-              </a:rPr>
-              <a:t>i</a:t>
-            </a:r>
-            <a:r>
-              <a:rPr b="0" lang="en-US" sz="4400" spc="-1" strike="noStrike">
-                <a:latin typeface="Arial"/>
-              </a:rPr>
-              <a:t>c</a:t>
-            </a:r>
-            <a:r>
-              <a:rPr b="0" lang="en-US" sz="4400" spc="-1" strike="noStrike">
-                <a:latin typeface="Arial"/>
-              </a:rPr>
-              <a:t>k</a:t>
-            </a:r>
-            <a:r>
-              <a:rPr b="0" lang="en-US" sz="4400" spc="-1" strike="noStrike">
-                <a:latin typeface="Arial"/>
-              </a:rPr>
-              <a:t> </a:t>
-            </a:r>
-            <a:r>
-              <a:rPr b="0" lang="en-US" sz="4400" spc="-1" strike="noStrike">
-                <a:latin typeface="Arial"/>
-              </a:rPr>
-              <a:t>t</a:t>
-            </a:r>
-            <a:r>
-              <a:rPr b="0" lang="en-US" sz="4400" spc="-1" strike="noStrike">
-                <a:latin typeface="Arial"/>
-              </a:rPr>
-              <a:t>o</a:t>
-            </a:r>
-            <a:r>
-              <a:rPr b="0" lang="en-US" sz="4400" spc="-1" strike="noStrike">
-                <a:latin typeface="Arial"/>
-              </a:rPr>
-              <a:t> </a:t>
-            </a:r>
-            <a:r>
-              <a:rPr b="0" lang="en-US" sz="4400" spc="-1" strike="noStrike">
-                <a:latin typeface="Arial"/>
-              </a:rPr>
-              <a:t>e</a:t>
-            </a:r>
-            <a:r>
-              <a:rPr b="0" lang="en-US" sz="4400" spc="-1" strike="noStrike">
-                <a:latin typeface="Arial"/>
-              </a:rPr>
-              <a:t>d</a:t>
-            </a:r>
-            <a:r>
-              <a:rPr b="0" lang="en-US" sz="4400" spc="-1" strike="noStrike">
-                <a:latin typeface="Arial"/>
-              </a:rPr>
-              <a:t>i</a:t>
-            </a:r>
-            <a:r>
-              <a:rPr b="0" lang="en-US" sz="4400" spc="-1" strike="noStrike">
-                <a:latin typeface="Arial"/>
-              </a:rPr>
-              <a:t>t </a:t>
-            </a:r>
-            <a:r>
-              <a:rPr b="0" lang="en-US" sz="4400" spc="-1" strike="noStrike">
-                <a:latin typeface="Arial"/>
-              </a:rPr>
-              <a:t>t</a:t>
-            </a:r>
-            <a:r>
-              <a:rPr b="0" lang="en-US" sz="4400" spc="-1" strike="noStrike">
-                <a:latin typeface="Arial"/>
-              </a:rPr>
-              <a:t>h</a:t>
-            </a:r>
-            <a:r>
-              <a:rPr b="0" lang="en-US" sz="4400" spc="-1" strike="noStrike">
-                <a:latin typeface="Arial"/>
-              </a:rPr>
-              <a:t>e</a:t>
-            </a:r>
-            <a:r>
-              <a:rPr b="0" lang="en-US" sz="4400" spc="-1" strike="noStrike">
-                <a:latin typeface="Arial"/>
-              </a:rPr>
-              <a:t> </a:t>
-            </a:r>
-            <a:r>
-              <a:rPr b="0" lang="en-US" sz="4400" spc="-1" strike="noStrike">
-                <a:latin typeface="Arial"/>
-              </a:rPr>
-              <a:t>t</a:t>
-            </a:r>
-            <a:r>
-              <a:rPr b="0" lang="en-US" sz="4400" spc="-1" strike="noStrike">
-                <a:latin typeface="Arial"/>
-              </a:rPr>
-              <a:t>i</a:t>
-            </a:r>
-            <a:r>
-              <a:rPr b="0" lang="en-US" sz="4400" spc="-1" strike="noStrike">
-                <a:latin typeface="Arial"/>
-              </a:rPr>
-              <a:t>t</a:t>
-            </a:r>
-            <a:r>
-              <a:rPr b="0" lang="en-US" sz="4400" spc="-1" strike="noStrike">
-                <a:latin typeface="Arial"/>
-              </a:rPr>
-              <a:t>l</a:t>
-            </a:r>
-            <a:r>
-              <a:rPr b="0" lang="en-US" sz="4400" spc="-1" strike="noStrike">
-                <a:latin typeface="Arial"/>
-              </a:rPr>
-              <a:t>e</a:t>
-            </a:r>
-            <a:r>
-              <a:rPr b="0" lang="en-US" sz="4400" spc="-1" strike="noStrike">
-                <a:latin typeface="Arial"/>
-              </a:rPr>
-              <a:t> </a:t>
-            </a:r>
-            <a:r>
-              <a:rPr b="0" lang="en-US" sz="4400" spc="-1" strike="noStrike">
-                <a:latin typeface="Arial"/>
-              </a:rPr>
-              <a:t>t</a:t>
-            </a:r>
-            <a:r>
-              <a:rPr b="0" lang="en-US" sz="4400" spc="-1" strike="noStrike">
-                <a:latin typeface="Arial"/>
-              </a:rPr>
-              <a:t>e</a:t>
-            </a:r>
-            <a:r>
-              <a:rPr b="0" lang="en-US" sz="4400" spc="-1" strike="noStrike">
-                <a:latin typeface="Arial"/>
-              </a:rPr>
-              <a:t>x</a:t>
-            </a:r>
-            <a:r>
-              <a:rPr b="0" lang="en-US" sz="4400" spc="-1" strike="noStrike">
-                <a:latin typeface="Arial"/>
-              </a:rPr>
-              <a:t>t </a:t>
-            </a:r>
-            <a:r>
-              <a:rPr b="0" lang="en-US" sz="4400" spc="-1" strike="noStrike">
-                <a:latin typeface="Arial"/>
-              </a:rPr>
-              <a:t>f</a:t>
-            </a:r>
-            <a:r>
-              <a:rPr b="0" lang="en-US" sz="4400" spc="-1" strike="noStrike">
-                <a:latin typeface="Arial"/>
-              </a:rPr>
-              <a:t>o</a:t>
-            </a:r>
-            <a:r>
-              <a:rPr b="0" lang="en-US" sz="4400" spc="-1" strike="noStrike">
-                <a:latin typeface="Arial"/>
-              </a:rPr>
-              <a:t>r</a:t>
-            </a:r>
-            <a:r>
-              <a:rPr b="0" lang="en-US" sz="4400" spc="-1" strike="noStrike">
-                <a:latin typeface="Arial"/>
-              </a:rPr>
-              <a:t>m</a:t>
-            </a:r>
-            <a:r>
-              <a:rPr b="0" lang="en-US" sz="4400" spc="-1" strike="noStrike">
-                <a:latin typeface="Arial"/>
-              </a:rPr>
-              <a:t>a</a:t>
-            </a:r>
-            <a:r>
-              <a:rPr b="0" lang="en-US" sz="4400" spc="-1" strike="noStrike">
-                <a:latin typeface="Arial"/>
-              </a:rPr>
-              <a:t>t</a:t>
+              <a:t>Click to edit the title text format</a:t>
             </a:r>
             <a:endParaRPr b="0" lang="en-US" sz="4400" spc="-1" strike="noStrike">
               <a:latin typeface="Arial"/>
@@ -13655,7 +12683,7 @@
         <p:spPr>
           <a:xfrm>
             <a:off x="606240" y="1616760"/>
-            <a:ext cx="7937280" cy="4751640"/>
+            <a:ext cx="7936920" cy="4751280"/>
           </a:xfrm>
           <a:prstGeom prst="rect">
             <a:avLst/>
@@ -13703,199 +12731,7 @@
               <a:rPr b="0" lang="en-US" sz="4400" spc="-1" strike="noStrike">
                 <a:latin typeface="Arial"/>
               </a:rPr>
-              <a:t>C</a:t>
-            </a:r>
-            <a:r>
-              <a:rPr b="0" lang="en-US" sz="4400" spc="-1" strike="noStrike">
-                <a:latin typeface="Arial"/>
-              </a:rPr>
-              <a:t>l</a:t>
-            </a:r>
-            <a:r>
-              <a:rPr b="0" lang="en-US" sz="4400" spc="-1" strike="noStrike">
-                <a:latin typeface="Arial"/>
-              </a:rPr>
-              <a:t>i</a:t>
-            </a:r>
-            <a:r>
-              <a:rPr b="0" lang="en-US" sz="4400" spc="-1" strike="noStrike">
-                <a:latin typeface="Arial"/>
-              </a:rPr>
-              <a:t>c</a:t>
-            </a:r>
-            <a:r>
-              <a:rPr b="0" lang="en-US" sz="4400" spc="-1" strike="noStrike">
-                <a:latin typeface="Arial"/>
-              </a:rPr>
-              <a:t>k</a:t>
-            </a:r>
-            <a:r>
-              <a:rPr b="0" lang="en-US" sz="4400" spc="-1" strike="noStrike">
-                <a:latin typeface="Arial"/>
-              </a:rPr>
-              <a:t> </a:t>
-            </a:r>
-            <a:r>
-              <a:rPr b="0" lang="en-US" sz="4400" spc="-1" strike="noStrike">
-                <a:latin typeface="Arial"/>
-              </a:rPr>
-              <a:t>t</a:t>
-            </a:r>
-            <a:r>
-              <a:rPr b="0" lang="en-US" sz="4400" spc="-1" strike="noStrike">
-                <a:latin typeface="Arial"/>
-              </a:rPr>
-              <a:t>o</a:t>
-            </a:r>
-            <a:r>
-              <a:rPr b="0" lang="en-US" sz="4400" spc="-1" strike="noStrike">
-                <a:latin typeface="Arial"/>
-              </a:rPr>
-              <a:t> </a:t>
-            </a:r>
-            <a:r>
-              <a:rPr b="0" lang="en-US" sz="4400" spc="-1" strike="noStrike">
-                <a:latin typeface="Arial"/>
-              </a:rPr>
-              <a:t>e</a:t>
-            </a:r>
-            <a:r>
-              <a:rPr b="0" lang="en-US" sz="4400" spc="-1" strike="noStrike">
-                <a:latin typeface="Arial"/>
-              </a:rPr>
-              <a:t>d</a:t>
-            </a:r>
-            <a:r>
-              <a:rPr b="0" lang="en-US" sz="4400" spc="-1" strike="noStrike">
-                <a:latin typeface="Arial"/>
-              </a:rPr>
-              <a:t>i</a:t>
-            </a:r>
-            <a:r>
-              <a:rPr b="0" lang="en-US" sz="4400" spc="-1" strike="noStrike">
-                <a:latin typeface="Arial"/>
-              </a:rPr>
-              <a:t>t </a:t>
-            </a:r>
-            <a:r>
-              <a:rPr b="0" lang="en-US" sz="4400" spc="-1" strike="noStrike">
-                <a:latin typeface="Arial"/>
-              </a:rPr>
-              <a:t>t</a:t>
-            </a:r>
-            <a:r>
-              <a:rPr b="0" lang="en-US" sz="4400" spc="-1" strike="noStrike">
-                <a:latin typeface="Arial"/>
-              </a:rPr>
-              <a:t>h</a:t>
-            </a:r>
-            <a:r>
-              <a:rPr b="0" lang="en-US" sz="4400" spc="-1" strike="noStrike">
-                <a:latin typeface="Arial"/>
-              </a:rPr>
-              <a:t>e</a:t>
-            </a:r>
-            <a:r>
-              <a:rPr b="0" lang="en-US" sz="4400" spc="-1" strike="noStrike">
-                <a:latin typeface="Arial"/>
-              </a:rPr>
-              <a:t> </a:t>
-            </a:r>
-            <a:r>
-              <a:rPr b="0" lang="en-US" sz="4400" spc="-1" strike="noStrike">
-                <a:latin typeface="Arial"/>
-              </a:rPr>
-              <a:t>t</a:t>
-            </a:r>
-            <a:r>
-              <a:rPr b="0" lang="en-US" sz="4400" spc="-1" strike="noStrike">
-                <a:latin typeface="Arial"/>
-              </a:rPr>
-              <a:t>i</a:t>
-            </a:r>
-            <a:r>
-              <a:rPr b="0" lang="en-US" sz="4400" spc="-1" strike="noStrike">
-                <a:latin typeface="Arial"/>
-              </a:rPr>
-              <a:t>t</a:t>
-            </a:r>
-            <a:r>
-              <a:rPr b="0" lang="en-US" sz="4400" spc="-1" strike="noStrike">
-                <a:latin typeface="Arial"/>
-              </a:rPr>
-              <a:t>l</a:t>
-            </a:r>
-            <a:r>
-              <a:rPr b="0" lang="en-US" sz="4400" spc="-1" strike="noStrike">
-                <a:latin typeface="Arial"/>
-              </a:rPr>
-              <a:t>e</a:t>
-            </a:r>
-            <a:r>
-              <a:rPr b="0" lang="en-US" sz="4400" spc="-1" strike="noStrike">
-                <a:latin typeface="Arial"/>
-              </a:rPr>
-              <a:t> </a:t>
-            </a:r>
-            <a:r>
-              <a:rPr b="0" lang="en-US" sz="4400" spc="-1" strike="noStrike">
-                <a:latin typeface="Arial"/>
-              </a:rPr>
-              <a:t>t</a:t>
-            </a:r>
-            <a:r>
-              <a:rPr b="0" lang="en-US" sz="4400" spc="-1" strike="noStrike">
-                <a:latin typeface="Arial"/>
-              </a:rPr>
-              <a:t>e</a:t>
-            </a:r>
-            <a:r>
-              <a:rPr b="0" lang="en-US" sz="4400" spc="-1" strike="noStrike">
-                <a:latin typeface="Arial"/>
-              </a:rPr>
-              <a:t>x</a:t>
-            </a:r>
-            <a:r>
-              <a:rPr b="0" lang="en-US" sz="4400" spc="-1" strike="noStrike">
-                <a:latin typeface="Arial"/>
-              </a:rPr>
-              <a:t>t </a:t>
-            </a:r>
-            <a:r>
-              <a:rPr b="0" lang="en-US" sz="4400" spc="-1" strike="noStrike">
-                <a:latin typeface="Arial"/>
-              </a:rPr>
-              <a:t>f</a:t>
-            </a:r>
-            <a:r>
-              <a:rPr b="0" lang="en-US" sz="4400" spc="-1" strike="noStrike">
-                <a:latin typeface="Arial"/>
-              </a:rPr>
-              <a:t>o</a:t>
-            </a:r>
-            <a:r>
-              <a:rPr b="0" lang="en-US" sz="4400" spc="-1" strike="noStrike">
-                <a:latin typeface="Arial"/>
-              </a:rPr>
-              <a:t>r</a:t>
-            </a:r>
-            <a:r>
-              <a:rPr b="0" lang="en-US" sz="4400" spc="-1" strike="noStrike">
-                <a:latin typeface="Arial"/>
-              </a:rPr>
-              <a:t>m</a:t>
-            </a:r>
-            <a:r>
-              <a:rPr b="0" lang="en-US" sz="4400" spc="-1" strike="noStrike">
-                <a:latin typeface="Arial"/>
-              </a:rPr>
-              <a:t>a</a:t>
-            </a:r>
-            <a:r>
-              <a:rPr b="0" lang="en-US" sz="4400" spc="-1" strike="noStrike">
-                <a:latin typeface="Arial"/>
-              </a:rPr>
-              <a:t>t</a:t>
+              <a:t>Click to edit the title text format</a:t>
             </a:r>
             <a:endParaRPr b="0" lang="en-US" sz="4400" spc="-1" strike="noStrike">
               <a:latin typeface="Arial"/>
@@ -14140,7 +12976,7 @@
         <p:spPr>
           <a:xfrm>
             <a:off x="0" y="0"/>
-            <a:ext cx="9142560" cy="6856560"/>
+            <a:ext cx="9142200" cy="6856200"/>
           </a:xfrm>
           <a:prstGeom prst="rect">
             <a:avLst/>
@@ -14179,199 +13015,7 @@
               <a:rPr b="0" lang="en-US" sz="4400" spc="-1" strike="noStrike">
                 <a:latin typeface="Arial"/>
               </a:rPr>
-              <a:t>C</a:t>
-            </a:r>
-            <a:r>
-              <a:rPr b="0" lang="en-US" sz="4400" spc="-1" strike="noStrike">
-                <a:latin typeface="Arial"/>
-              </a:rPr>
-              <a:t>l</a:t>
-            </a:r>
-            <a:r>
-              <a:rPr b="0" lang="en-US" sz="4400" spc="-1" strike="noStrike">
-                <a:latin typeface="Arial"/>
-              </a:rPr>
-              <a:t>i</a:t>
-            </a:r>
-            <a:r>
-              <a:rPr b="0" lang="en-US" sz="4400" spc="-1" strike="noStrike">
-                <a:latin typeface="Arial"/>
-              </a:rPr>
-              <a:t>c</a:t>
-            </a:r>
-            <a:r>
-              <a:rPr b="0" lang="en-US" sz="4400" spc="-1" strike="noStrike">
-                <a:latin typeface="Arial"/>
-              </a:rPr>
-              <a:t>k</a:t>
-            </a:r>
-            <a:r>
-              <a:rPr b="0" lang="en-US" sz="4400" spc="-1" strike="noStrike">
-                <a:latin typeface="Arial"/>
-              </a:rPr>
-              <a:t> </a:t>
-            </a:r>
-            <a:r>
-              <a:rPr b="0" lang="en-US" sz="4400" spc="-1" strike="noStrike">
-                <a:latin typeface="Arial"/>
-              </a:rPr>
-              <a:t>t</a:t>
-            </a:r>
-            <a:r>
-              <a:rPr b="0" lang="en-US" sz="4400" spc="-1" strike="noStrike">
-                <a:latin typeface="Arial"/>
-              </a:rPr>
-              <a:t>o</a:t>
-            </a:r>
-            <a:r>
-              <a:rPr b="0" lang="en-US" sz="4400" spc="-1" strike="noStrike">
-                <a:latin typeface="Arial"/>
-              </a:rPr>
-              <a:t> </a:t>
-            </a:r>
-            <a:r>
-              <a:rPr b="0" lang="en-US" sz="4400" spc="-1" strike="noStrike">
-                <a:latin typeface="Arial"/>
-              </a:rPr>
-              <a:t>e</a:t>
-            </a:r>
-            <a:r>
-              <a:rPr b="0" lang="en-US" sz="4400" spc="-1" strike="noStrike">
-                <a:latin typeface="Arial"/>
-              </a:rPr>
-              <a:t>d</a:t>
-            </a:r>
-            <a:r>
-              <a:rPr b="0" lang="en-US" sz="4400" spc="-1" strike="noStrike">
-                <a:latin typeface="Arial"/>
-              </a:rPr>
-              <a:t>i</a:t>
-            </a:r>
-            <a:r>
-              <a:rPr b="0" lang="en-US" sz="4400" spc="-1" strike="noStrike">
-                <a:latin typeface="Arial"/>
-              </a:rPr>
-              <a:t>t </a:t>
-            </a:r>
-            <a:r>
-              <a:rPr b="0" lang="en-US" sz="4400" spc="-1" strike="noStrike">
-                <a:latin typeface="Arial"/>
-              </a:rPr>
-              <a:t>t</a:t>
-            </a:r>
-            <a:r>
-              <a:rPr b="0" lang="en-US" sz="4400" spc="-1" strike="noStrike">
-                <a:latin typeface="Arial"/>
-              </a:rPr>
-              <a:t>h</a:t>
-            </a:r>
-            <a:r>
-              <a:rPr b="0" lang="en-US" sz="4400" spc="-1" strike="noStrike">
-                <a:latin typeface="Arial"/>
-              </a:rPr>
-              <a:t>e</a:t>
-            </a:r>
-            <a:r>
-              <a:rPr b="0" lang="en-US" sz="4400" spc="-1" strike="noStrike">
-                <a:latin typeface="Arial"/>
-              </a:rPr>
-              <a:t> </a:t>
-            </a:r>
-            <a:r>
-              <a:rPr b="0" lang="en-US" sz="4400" spc="-1" strike="noStrike">
-                <a:latin typeface="Arial"/>
-              </a:rPr>
-              <a:t>t</a:t>
-            </a:r>
-            <a:r>
-              <a:rPr b="0" lang="en-US" sz="4400" spc="-1" strike="noStrike">
-                <a:latin typeface="Arial"/>
-              </a:rPr>
-              <a:t>i</a:t>
-            </a:r>
-            <a:r>
-              <a:rPr b="0" lang="en-US" sz="4400" spc="-1" strike="noStrike">
-                <a:latin typeface="Arial"/>
-              </a:rPr>
-              <a:t>t</a:t>
-            </a:r>
-            <a:r>
-              <a:rPr b="0" lang="en-US" sz="4400" spc="-1" strike="noStrike">
-                <a:latin typeface="Arial"/>
-              </a:rPr>
-              <a:t>l</a:t>
-            </a:r>
-            <a:r>
-              <a:rPr b="0" lang="en-US" sz="4400" spc="-1" strike="noStrike">
-                <a:latin typeface="Arial"/>
-              </a:rPr>
-              <a:t>e</a:t>
-            </a:r>
-            <a:r>
-              <a:rPr b="0" lang="en-US" sz="4400" spc="-1" strike="noStrike">
-                <a:latin typeface="Arial"/>
-              </a:rPr>
-              <a:t> </a:t>
-            </a:r>
-            <a:r>
-              <a:rPr b="0" lang="en-US" sz="4400" spc="-1" strike="noStrike">
-                <a:latin typeface="Arial"/>
-              </a:rPr>
-              <a:t>t</a:t>
-            </a:r>
-            <a:r>
-              <a:rPr b="0" lang="en-US" sz="4400" spc="-1" strike="noStrike">
-                <a:latin typeface="Arial"/>
-              </a:rPr>
-              <a:t>e</a:t>
-            </a:r>
-            <a:r>
-              <a:rPr b="0" lang="en-US" sz="4400" spc="-1" strike="noStrike">
-                <a:latin typeface="Arial"/>
-              </a:rPr>
-              <a:t>x</a:t>
-            </a:r>
-            <a:r>
-              <a:rPr b="0" lang="en-US" sz="4400" spc="-1" strike="noStrike">
-                <a:latin typeface="Arial"/>
-              </a:rPr>
-              <a:t>t </a:t>
-            </a:r>
-            <a:r>
-              <a:rPr b="0" lang="en-US" sz="4400" spc="-1" strike="noStrike">
-                <a:latin typeface="Arial"/>
-              </a:rPr>
-              <a:t>f</a:t>
-            </a:r>
-            <a:r>
-              <a:rPr b="0" lang="en-US" sz="4400" spc="-1" strike="noStrike">
-                <a:latin typeface="Arial"/>
-              </a:rPr>
-              <a:t>o</a:t>
-            </a:r>
-            <a:r>
-              <a:rPr b="0" lang="en-US" sz="4400" spc="-1" strike="noStrike">
-                <a:latin typeface="Arial"/>
-              </a:rPr>
-              <a:t>r</a:t>
-            </a:r>
-            <a:r>
-              <a:rPr b="0" lang="en-US" sz="4400" spc="-1" strike="noStrike">
-                <a:latin typeface="Arial"/>
-              </a:rPr>
-              <a:t>m</a:t>
-            </a:r>
-            <a:r>
-              <a:rPr b="0" lang="en-US" sz="4400" spc="-1" strike="noStrike">
-                <a:latin typeface="Arial"/>
-              </a:rPr>
-              <a:t>a</a:t>
-            </a:r>
-            <a:r>
-              <a:rPr b="0" lang="en-US" sz="4400" spc="-1" strike="noStrike">
-                <a:latin typeface="Arial"/>
-              </a:rPr>
-              <a:t>t</a:t>
+              <a:t>Click to edit the title text format</a:t>
             </a:r>
             <a:endParaRPr b="0" lang="en-US" sz="4400" spc="-1" strike="noStrike">
               <a:latin typeface="Arial"/>
@@ -14604,7 +13248,7 @@
         <p:spPr>
           <a:xfrm>
             <a:off x="797040" y="5729400"/>
-            <a:ext cx="5050080" cy="1055520"/>
+            <a:ext cx="5049720" cy="1055160"/>
           </a:xfrm>
           <a:prstGeom prst="rect">
             <a:avLst/>
@@ -14658,7 +13302,7 @@
         <p:spPr>
           <a:xfrm>
             <a:off x="797040" y="2562120"/>
-            <a:ext cx="8397360" cy="3369240"/>
+            <a:ext cx="8397000" cy="3368880"/>
           </a:xfrm>
           <a:prstGeom prst="rect">
             <a:avLst/>
@@ -14757,7 +13401,7 @@
         <p:spPr>
           <a:xfrm rot="21597600">
             <a:off x="596880" y="248400"/>
-            <a:ext cx="7950240" cy="5217480"/>
+            <a:ext cx="7949880" cy="5217120"/>
           </a:xfrm>
           <a:prstGeom prst="rect">
             <a:avLst/>
@@ -14810,7 +13454,7 @@
         <p:spPr>
           <a:xfrm>
             <a:off x="30240" y="1577880"/>
-            <a:ext cx="9143280" cy="3233160"/>
+            <a:ext cx="9142920" cy="3232800"/>
           </a:xfrm>
           <a:prstGeom prst="rect">
             <a:avLst/>
@@ -14863,7 +13507,7 @@
         <p:spPr>
           <a:xfrm>
             <a:off x="114480" y="541800"/>
-            <a:ext cx="8915040" cy="5630400"/>
+            <a:ext cx="8914680" cy="5630040"/>
           </a:xfrm>
           <a:prstGeom prst="rect">
             <a:avLst/>
@@ -14912,7 +13556,7 @@
         <p:spPr>
           <a:xfrm>
             <a:off x="500400" y="441000"/>
-            <a:ext cx="8519040" cy="1304640"/>
+            <a:ext cx="8518680" cy="1304280"/>
           </a:xfrm>
           <a:prstGeom prst="rect">
             <a:avLst/>
@@ -14970,7 +13614,7 @@
         <p:spPr>
           <a:xfrm>
             <a:off x="685800" y="3886200"/>
-            <a:ext cx="8228880" cy="2423160"/>
+            <a:ext cx="8228520" cy="2422800"/>
           </a:xfrm>
           <a:prstGeom prst="rect">
             <a:avLst/>
@@ -14993,7 +13637,7 @@
         <p:spPr>
           <a:xfrm>
             <a:off x="772200" y="1165680"/>
-            <a:ext cx="7913880" cy="2491200"/>
+            <a:ext cx="7913520" cy="2490840"/>
           </a:xfrm>
           <a:prstGeom prst="rect">
             <a:avLst/>
@@ -15046,7 +13690,7 @@
         <p:spPr>
           <a:xfrm>
             <a:off x="168480" y="523080"/>
-            <a:ext cx="8867160" cy="5342760"/>
+            <a:ext cx="8866800" cy="5342400"/>
           </a:xfrm>
           <a:prstGeom prst="rect">
             <a:avLst/>
@@ -15095,7 +13739,7 @@
         <p:spPr>
           <a:xfrm>
             <a:off x="500400" y="441000"/>
-            <a:ext cx="8519040" cy="1304640"/>
+            <a:ext cx="8518680" cy="1304280"/>
           </a:xfrm>
           <a:prstGeom prst="rect">
             <a:avLst/>
@@ -15155,7 +13799,7 @@
         <p:spPr>
           <a:xfrm>
             <a:off x="168480" y="1143000"/>
-            <a:ext cx="8866800" cy="5342400"/>
+            <a:ext cx="8866440" cy="5342040"/>
           </a:xfrm>
           <a:prstGeom prst="rect">
             <a:avLst/>
@@ -15204,7 +13848,7 @@
         <p:spPr>
           <a:xfrm>
             <a:off x="500400" y="441000"/>
-            <a:ext cx="8519040" cy="1304640"/>
+            <a:ext cx="8518680" cy="1304280"/>
           </a:xfrm>
           <a:prstGeom prst="rect">
             <a:avLst/>
@@ -15916,7 +14560,7 @@
         <p:spPr>
           <a:xfrm>
             <a:off x="956160" y="528480"/>
-            <a:ext cx="7557840" cy="5452920"/>
+            <a:ext cx="7557480" cy="5452560"/>
           </a:xfrm>
           <a:prstGeom prst="rect">
             <a:avLst/>
@@ -16002,7 +14646,7 @@
         <p:spPr>
           <a:xfrm>
             <a:off x="766800" y="2728080"/>
-            <a:ext cx="7934040" cy="1121040"/>
+            <a:ext cx="7933680" cy="1120680"/>
           </a:xfrm>
           <a:prstGeom prst="rect">
             <a:avLst/>
@@ -16083,7 +14727,7 @@
         <p:spPr>
           <a:xfrm>
             <a:off x="857160" y="4383720"/>
-            <a:ext cx="700920" cy="700920"/>
+            <a:ext cx="700560" cy="700560"/>
           </a:xfrm>
           <a:prstGeom prst="rect">
             <a:avLst/>
@@ -16106,7 +14750,7 @@
         <p:spPr>
           <a:xfrm>
             <a:off x="1737360" y="4383720"/>
-            <a:ext cx="700920" cy="700920"/>
+            <a:ext cx="700560" cy="700560"/>
           </a:xfrm>
           <a:prstGeom prst="rect">
             <a:avLst/>
@@ -16155,7 +14799,7 @@
         <p:spPr>
           <a:xfrm>
             <a:off x="630000" y="3689640"/>
-            <a:ext cx="1513440" cy="2423880"/>
+            <a:ext cx="1513080" cy="2423520"/>
           </a:xfrm>
           <a:prstGeom prst="rect">
             <a:avLst/>
@@ -16183,7 +14827,7 @@
         <p:spPr>
           <a:xfrm>
             <a:off x="500400" y="1095120"/>
-            <a:ext cx="8519040" cy="2643480"/>
+            <a:ext cx="8518680" cy="2643120"/>
           </a:xfrm>
           <a:prstGeom prst="rect">
             <a:avLst/>
@@ -16249,7 +14893,7 @@
         <p:spPr>
           <a:xfrm>
             <a:off x="3135600" y="4174920"/>
-            <a:ext cx="5855040" cy="781920"/>
+            <a:ext cx="5854680" cy="781560"/>
           </a:xfrm>
           <a:prstGeom prst="rect">
             <a:avLst/>
@@ -16303,7 +14947,7 @@
         <p:spPr>
           <a:xfrm>
             <a:off x="3135600" y="4575240"/>
-            <a:ext cx="5855040" cy="1055520"/>
+            <a:ext cx="5854680" cy="1055160"/>
           </a:xfrm>
           <a:prstGeom prst="rect">
             <a:avLst/>
@@ -16357,7 +15001,7 @@
         <p:spPr>
           <a:xfrm>
             <a:off x="3135600" y="4737960"/>
-            <a:ext cx="5855040" cy="1375560"/>
+            <a:ext cx="5854680" cy="1375200"/>
           </a:xfrm>
           <a:prstGeom prst="rect">
             <a:avLst/>
@@ -16441,7 +15085,7 @@
         <p:spPr>
           <a:xfrm>
             <a:off x="500400" y="441000"/>
-            <a:ext cx="8519040" cy="749160"/>
+            <a:ext cx="8518680" cy="748800"/>
           </a:xfrm>
           <a:prstGeom prst="rect">
             <a:avLst/>
@@ -16495,7 +15139,7 @@
         <p:spPr>
           <a:xfrm>
             <a:off x="680760" y="1430640"/>
-            <a:ext cx="3383640" cy="500040"/>
+            <a:ext cx="3383280" cy="499680"/>
           </a:xfrm>
           <a:prstGeom prst="roundRect">
             <a:avLst>
@@ -16553,7 +15197,7 @@
         <p:spPr>
           <a:xfrm>
             <a:off x="680760" y="2254320"/>
-            <a:ext cx="3383640" cy="500040"/>
+            <a:ext cx="3383280" cy="499680"/>
           </a:xfrm>
           <a:prstGeom prst="roundRect">
             <a:avLst>
@@ -16611,7 +15255,7 @@
         <p:spPr>
           <a:xfrm>
             <a:off x="680760" y="3090960"/>
-            <a:ext cx="3383640" cy="500040"/>
+            <a:ext cx="3383280" cy="499680"/>
           </a:xfrm>
           <a:prstGeom prst="roundRect">
             <a:avLst>
@@ -16669,7 +15313,7 @@
         <p:spPr>
           <a:xfrm>
             <a:off x="680760" y="3927960"/>
-            <a:ext cx="3383640" cy="500040"/>
+            <a:ext cx="3383280" cy="499680"/>
           </a:xfrm>
           <a:prstGeom prst="roundRect">
             <a:avLst>
@@ -16727,7 +15371,7 @@
         <p:spPr>
           <a:xfrm>
             <a:off x="680760" y="4710240"/>
-            <a:ext cx="3383640" cy="500040"/>
+            <a:ext cx="3383280" cy="499680"/>
           </a:xfrm>
           <a:prstGeom prst="roundRect">
             <a:avLst>
@@ -16785,7 +15429,7 @@
         <p:spPr>
           <a:xfrm>
             <a:off x="680760" y="5492160"/>
-            <a:ext cx="3383640" cy="500040"/>
+            <a:ext cx="3383280" cy="499680"/>
           </a:xfrm>
           <a:prstGeom prst="roundRect">
             <a:avLst>
@@ -16843,7 +15487,7 @@
         <p:spPr>
           <a:xfrm>
             <a:off x="680760" y="1681560"/>
-            <a:ext cx="360" cy="822240"/>
+            <a:ext cx="360" cy="821880"/>
           </a:xfrm>
           <a:prstGeom prst="curvedConnector3">
             <a:avLst>
@@ -16875,7 +15519,7 @@
         <p:spPr>
           <a:xfrm>
             <a:off x="680760" y="2504880"/>
-            <a:ext cx="360" cy="835560"/>
+            <a:ext cx="360" cy="835200"/>
           </a:xfrm>
           <a:prstGeom prst="curvedConnector3">
             <a:avLst>
@@ -16907,7 +15551,7 @@
         <p:spPr>
           <a:xfrm>
             <a:off x="680760" y="3341880"/>
-            <a:ext cx="360" cy="835560"/>
+            <a:ext cx="360" cy="835200"/>
           </a:xfrm>
           <a:prstGeom prst="curvedConnector3">
             <a:avLst>
@@ -16939,7 +15583,7 @@
         <p:spPr>
           <a:xfrm>
             <a:off x="680760" y="4219200"/>
-            <a:ext cx="360" cy="835560"/>
+            <a:ext cx="360" cy="835200"/>
           </a:xfrm>
           <a:prstGeom prst="curvedConnector3">
             <a:avLst>
@@ -16971,7 +15615,7 @@
         <p:spPr>
           <a:xfrm>
             <a:off x="680760" y="5096520"/>
-            <a:ext cx="360" cy="835560"/>
+            <a:ext cx="360" cy="835200"/>
           </a:xfrm>
           <a:prstGeom prst="curvedConnector3">
             <a:avLst>
@@ -17033,7 +15677,7 @@
         <p:spPr>
           <a:xfrm>
             <a:off x="500400" y="441000"/>
-            <a:ext cx="8519040" cy="1304640"/>
+            <a:ext cx="8518680" cy="1304280"/>
           </a:xfrm>
           <a:prstGeom prst="rect">
             <a:avLst/>
@@ -17526,7 +16170,7 @@
         <p:spPr>
           <a:xfrm>
             <a:off x="685800" y="457200"/>
-            <a:ext cx="6989040" cy="6171840"/>
+            <a:ext cx="6988680" cy="6171480"/>
           </a:xfrm>
           <a:prstGeom prst="rect">
             <a:avLst/>
@@ -17575,7 +16219,7 @@
         <p:spPr>
           <a:xfrm>
             <a:off x="500400" y="441000"/>
-            <a:ext cx="8519040" cy="1304640"/>
+            <a:ext cx="8518680" cy="1304280"/>
           </a:xfrm>
           <a:prstGeom prst="rect">
             <a:avLst/>
@@ -17707,7 +16351,7 @@
                         <a:rPr b="0" lang="en-US" sz="1800" spc="-1" strike="noStrike">
                           <a:latin typeface="Arial"/>
                         </a:rPr>
-                        <a:t>Был опыт работы с микросервисами, Openshift</a:t>
+                        <a:t>Получить опыт работы с микросервисами</a:t>
                       </a:r>
                       <a:endParaRPr b="0" lang="en-US" sz="1800" spc="-1" strike="noStrike">
                         <a:latin typeface="Arial"/>
@@ -17996,6 +16640,27 @@
                   </a:tcPr>
                 </a:tc>
                 <a:tc>
+                  <a:txBody>
+                    <a:bodyPr lIns="198000" rIns="91080">
+                      <a:noAutofit/>
+                    </a:bodyPr>
+                    <a:p>
+                      <a:pPr>
+                        <a:lnSpc>
+                          <a:spcPct val="100000"/>
+                        </a:lnSpc>
+                      </a:pPr>
+                      <a:r>
+                        <a:rPr b="0" lang="en-US" sz="1800" spc="-1" strike="noStrike">
+                          <a:latin typeface="Arial"/>
+                        </a:rPr>
+                        <a:t>Мониторинг проекта</a:t>
+                      </a:r>
+                      <a:endParaRPr b="0" lang="en-US" sz="1800" spc="-1" strike="noStrike">
+                        <a:latin typeface="Arial"/>
+                      </a:endParaRPr>
+                    </a:p>
+                  </a:txBody>
                   <a:tcPr marL="198000" marR="91080">
                     <a:lnL w="9360">
                       <a:solidFill>
@@ -18064,7 +16729,7 @@
         <p:spPr>
           <a:xfrm>
             <a:off x="500400" y="441000"/>
-            <a:ext cx="8519040" cy="1304640"/>
+            <a:ext cx="8518680" cy="1304280"/>
           </a:xfrm>
           <a:prstGeom prst="rect">
             <a:avLst/>
@@ -18912,7 +17577,7 @@
         <p:spPr>
           <a:xfrm>
             <a:off x="914400" y="5943600"/>
-            <a:ext cx="8112960" cy="602280"/>
+            <a:ext cx="8112600" cy="601920"/>
           </a:xfrm>
           <a:prstGeom prst="rect">
             <a:avLst/>
@@ -18940,7 +17605,11 @@
             </a:pPr>
             <a:r>
               <a:rPr b="0" lang="en-US" sz="1800" spc="-1" strike="noStrike">
+                <a:solidFill>
+                  <a:srgbClr val="000000"/>
+                </a:solidFill>
                 <a:latin typeface="Arial"/>
+                <a:ea typeface="DejaVu Sans"/>
               </a:rPr>
               <a:t>https://scala-slick.org/talks/2014-06-09_33rd_Degree/Functional%20Relational%20Mapping%20with%20Slick.pdf</a:t>
             </a:r>
@@ -18963,7 +17632,7 @@
         <p:spPr>
           <a:xfrm>
             <a:off x="228600" y="1779840"/>
-            <a:ext cx="3607200" cy="3020400"/>
+            <a:ext cx="3606840" cy="3020040"/>
           </a:xfrm>
           <a:prstGeom prst="rect">
             <a:avLst/>
@@ -18986,7 +17655,7 @@
         <p:spPr>
           <a:xfrm>
             <a:off x="4253400" y="1600200"/>
-            <a:ext cx="4661640" cy="2971440"/>
+            <a:ext cx="4661280" cy="2971080"/>
           </a:xfrm>
           <a:prstGeom prst="rect">
             <a:avLst/>
